--- a/src/site/pres/CustomControls.pptx
+++ b/src/site/pres/CustomControls.pptx
@@ -5,13 +5,14 @@
     <p:sldMasterId id="2147483648" r:id="rId1"/>
   </p:sldMasterIdLst>
   <p:notesMasterIdLst>
-    <p:notesMasterId r:id="rId6"/>
+    <p:notesMasterId r:id="rId7"/>
   </p:notesMasterIdLst>
   <p:sldIdLst>
     <p:sldId id="256" r:id="rId2"/>
     <p:sldId id="258" r:id="rId3"/>
-    <p:sldId id="296" r:id="rId4"/>
-    <p:sldId id="288" r:id="rId5"/>
+    <p:sldId id="297" r:id="rId4"/>
+    <p:sldId id="296" r:id="rId5"/>
+    <p:sldId id="288" r:id="rId6"/>
   </p:sldIdLst>
   <p:sldSz cx="12192000" cy="6858000"/>
   <p:notesSz cx="6858000" cy="9144000"/>
@@ -112,7 +113,7 @@
   </p:defaultTextStyle>
   <p:extLst>
     <p:ext uri="{EFAFB233-063F-42B5-8137-9DF3F51BA10A}">
-      <p15:sldGuideLst xmlns="" xmlns:p15="http://schemas.microsoft.com/office/powerpoint/2012/main"/>
+      <p15:sldGuideLst xmlns:p15="http://schemas.microsoft.com/office/powerpoint/2012/main" xmlns=""/>
     </p:ext>
   </p:extLst>
 </p:presentation>
@@ -200,7 +201,7 @@
           <a:p>
             <a:fld id="{C5CED50F-C1C8-4ABB-AC47-02798DB26A17}" type="datetimeFigureOut">
               <a:rPr lang="de-DE" smtClean="0"/>
-              <a:t>27.01.2014</a:t>
+              <a:t>04.03.2014</a:t>
             </a:fld>
             <a:endParaRPr lang="de-DE"/>
           </a:p>
@@ -599,7 +600,7 @@
           <a:p>
             <a:fld id="{27242099-AA36-462C-901D-C15C99130564}" type="datetimeFigureOut">
               <a:rPr lang="de-DE" smtClean="0"/>
-              <a:t>27.01.2014</a:t>
+              <a:t>04.03.2014</a:t>
             </a:fld>
             <a:endParaRPr lang="de-DE"/>
           </a:p>
@@ -769,7 +770,7 @@
           <a:p>
             <a:fld id="{27242099-AA36-462C-901D-C15C99130564}" type="datetimeFigureOut">
               <a:rPr lang="de-DE" smtClean="0"/>
-              <a:t>27.01.2014</a:t>
+              <a:t>04.03.2014</a:t>
             </a:fld>
             <a:endParaRPr lang="de-DE"/>
           </a:p>
@@ -949,7 +950,7 @@
           <a:p>
             <a:fld id="{27242099-AA36-462C-901D-C15C99130564}" type="datetimeFigureOut">
               <a:rPr lang="de-DE" smtClean="0"/>
-              <a:t>27.01.2014</a:t>
+              <a:t>04.03.2014</a:t>
             </a:fld>
             <a:endParaRPr lang="de-DE"/>
           </a:p>
@@ -1119,7 +1120,7 @@
           <a:p>
             <a:fld id="{27242099-AA36-462C-901D-C15C99130564}" type="datetimeFigureOut">
               <a:rPr lang="de-DE" smtClean="0"/>
-              <a:t>27.01.2014</a:t>
+              <a:t>04.03.2014</a:t>
             </a:fld>
             <a:endParaRPr lang="de-DE"/>
           </a:p>
@@ -1365,7 +1366,7 @@
           <a:p>
             <a:fld id="{27242099-AA36-462C-901D-C15C99130564}" type="datetimeFigureOut">
               <a:rPr lang="de-DE" smtClean="0"/>
-              <a:t>27.01.2014</a:t>
+              <a:t>04.03.2014</a:t>
             </a:fld>
             <a:endParaRPr lang="de-DE"/>
           </a:p>
@@ -1597,7 +1598,7 @@
           <a:p>
             <a:fld id="{27242099-AA36-462C-901D-C15C99130564}" type="datetimeFigureOut">
               <a:rPr lang="de-DE" smtClean="0"/>
-              <a:t>27.01.2014</a:t>
+              <a:t>04.03.2014</a:t>
             </a:fld>
             <a:endParaRPr lang="de-DE"/>
           </a:p>
@@ -1964,7 +1965,7 @@
           <a:p>
             <a:fld id="{27242099-AA36-462C-901D-C15C99130564}" type="datetimeFigureOut">
               <a:rPr lang="de-DE" smtClean="0"/>
-              <a:t>27.01.2014</a:t>
+              <a:t>04.03.2014</a:t>
             </a:fld>
             <a:endParaRPr lang="de-DE"/>
           </a:p>
@@ -2082,7 +2083,7 @@
           <a:p>
             <a:fld id="{27242099-AA36-462C-901D-C15C99130564}" type="datetimeFigureOut">
               <a:rPr lang="de-DE" smtClean="0"/>
-              <a:t>27.01.2014</a:t>
+              <a:t>04.03.2014</a:t>
             </a:fld>
             <a:endParaRPr lang="de-DE"/>
           </a:p>
@@ -2177,7 +2178,7 @@
           <a:p>
             <a:fld id="{27242099-AA36-462C-901D-C15C99130564}" type="datetimeFigureOut">
               <a:rPr lang="de-DE" smtClean="0"/>
-              <a:t>27.01.2014</a:t>
+              <a:t>04.03.2014</a:t>
             </a:fld>
             <a:endParaRPr lang="de-DE"/>
           </a:p>
@@ -2454,7 +2455,7 @@
           <a:p>
             <a:fld id="{27242099-AA36-462C-901D-C15C99130564}" type="datetimeFigureOut">
               <a:rPr lang="de-DE" smtClean="0"/>
-              <a:t>27.01.2014</a:t>
+              <a:t>04.03.2014</a:t>
             </a:fld>
             <a:endParaRPr lang="de-DE"/>
           </a:p>
@@ -2707,7 +2708,7 @@
           <a:p>
             <a:fld id="{27242099-AA36-462C-901D-C15C99130564}" type="datetimeFigureOut">
               <a:rPr lang="de-DE" smtClean="0"/>
-              <a:t>27.01.2014</a:t>
+              <a:t>04.03.2014</a:t>
             </a:fld>
             <a:endParaRPr lang="de-DE"/>
           </a:p>
@@ -2920,7 +2921,7 @@
           <a:p>
             <a:fld id="{27242099-AA36-462C-901D-C15C99130564}" type="datetimeFigureOut">
               <a:rPr lang="de-DE" smtClean="0"/>
-              <a:t>27.01.2014</a:t>
+              <a:t>04.03.2014</a:t>
             </a:fld>
             <a:endParaRPr lang="de-DE"/>
           </a:p>
@@ -3471,54 +3472,370 @@
         <p:spPr/>
         <p:txBody>
           <a:bodyPr>
-            <a:normAutofit/>
+            <a:normAutofit fontScale="47500" lnSpcReduction="20000"/>
           </a:bodyPr>
           <a:lstStyle/>
           <a:p>
+            <a:pPr lvl="0"/>
+            <a:r>
+              <a:rPr lang="de-DE" dirty="0" smtClean="0"/>
+              <a:t>Motivation</a:t>
+            </a:r>
+          </a:p>
+          <a:p>
+            <a:pPr lvl="1"/>
+            <a:r>
+              <a:rPr lang="de-DE" dirty="0" smtClean="0"/>
+              <a:t>Java 7 vs. Java 8 (</a:t>
+            </a:r>
+            <a:r>
+              <a:rPr lang="de-DE" dirty="0" err="1"/>
+              <a:t>JavaFX</a:t>
+            </a:r>
+            <a:r>
+              <a:rPr lang="de-DE" dirty="0" smtClean="0"/>
+              <a:t>)</a:t>
+            </a:r>
+          </a:p>
+          <a:p>
+            <a:pPr lvl="1"/>
+            <a:r>
+              <a:rPr lang="de-DE" dirty="0" err="1" smtClean="0"/>
+              <a:t>Use</a:t>
+            </a:r>
+            <a:r>
+              <a:rPr lang="de-DE" dirty="0" smtClean="0"/>
+              <a:t> </a:t>
+            </a:r>
+            <a:r>
+              <a:rPr lang="de-DE" dirty="0"/>
+              <a:t>Case: Implementierung mit anschließendem Import in den Scene </a:t>
+            </a:r>
+            <a:r>
+              <a:rPr lang="de-DE" dirty="0" err="1" smtClean="0"/>
+              <a:t>Builder</a:t>
+            </a:r>
+            <a:endParaRPr lang="de-DE" dirty="0"/>
+          </a:p>
+          <a:p>
+            <a:pPr lvl="0"/>
+            <a:r>
+              <a:rPr lang="en-US" dirty="0" err="1"/>
+              <a:t>Architektur</a:t>
+            </a:r>
+            <a:r>
+              <a:rPr lang="en-US" dirty="0"/>
+              <a:t> von UI Controls (Control, Skin, Behavior)</a:t>
+            </a:r>
+            <a:endParaRPr lang="de-DE" dirty="0"/>
+          </a:p>
+          <a:p>
+            <a:pPr lvl="0"/>
+            <a:r>
+              <a:rPr lang="en-US" dirty="0"/>
+              <a:t>Building Custom Controls</a:t>
+            </a:r>
+            <a:endParaRPr lang="de-DE" dirty="0"/>
+          </a:p>
+          <a:p>
+            <a:pPr lvl="1"/>
+            <a:r>
+              <a:rPr lang="de-DE" dirty="0">
+                <a:solidFill>
+                  <a:srgbClr val="FF0000"/>
+                </a:solidFill>
+              </a:rPr>
+              <a:t>(Überflüssig?: Existierende Bibliotheken)</a:t>
+            </a:r>
+          </a:p>
+          <a:p>
+            <a:pPr lvl="1"/>
+            <a:r>
+              <a:rPr lang="de-DE" dirty="0" smtClean="0"/>
+              <a:t>API Neuerungen </a:t>
+            </a:r>
+            <a:r>
+              <a:rPr lang="de-DE" dirty="0"/>
+              <a:t>in Java FX </a:t>
+            </a:r>
+            <a:r>
+              <a:rPr lang="de-DE" dirty="0" smtClean="0"/>
+              <a:t>8</a:t>
+            </a:r>
+          </a:p>
+          <a:p>
+            <a:pPr lvl="1"/>
+            <a:r>
+              <a:rPr lang="de-DE" dirty="0" smtClean="0"/>
+              <a:t>Architektur von UI-Controls</a:t>
+            </a:r>
+            <a:endParaRPr lang="de-DE" dirty="0"/>
+          </a:p>
+          <a:p>
+            <a:pPr lvl="1"/>
+            <a:r>
+              <a:rPr lang="de-DE" dirty="0"/>
+              <a:t>Lebenszyklus von UI-Controls</a:t>
+            </a:r>
+          </a:p>
+          <a:p>
+            <a:pPr lvl="1"/>
+            <a:r>
+              <a:rPr lang="de-DE" b="1" dirty="0"/>
+              <a:t>Basic:</a:t>
+            </a:r>
+            <a:r>
+              <a:rPr lang="de-DE" dirty="0"/>
+              <a:t> Styling mit CSS und Pseudo-Klassen</a:t>
+            </a:r>
+          </a:p>
+          <a:p>
+            <a:pPr lvl="2"/>
+            <a:r>
+              <a:rPr lang="de-DE" dirty="0">
+                <a:solidFill>
+                  <a:srgbClr val="FF0000"/>
+                </a:solidFill>
+              </a:rPr>
+              <a:t>??? Abhängig von Vorwissen (SVG, usw.) ???</a:t>
+            </a:r>
+          </a:p>
+          <a:p>
+            <a:pPr lvl="1"/>
+            <a:r>
+              <a:rPr lang="de-DE" dirty="0" err="1"/>
+              <a:t>Implementing</a:t>
+            </a:r>
+            <a:r>
+              <a:rPr lang="de-DE" dirty="0"/>
+              <a:t> Custom Skins</a:t>
+            </a:r>
+          </a:p>
+          <a:p>
+            <a:pPr lvl="2"/>
+            <a:r>
+              <a:rPr lang="de-DE" dirty="0"/>
+              <a:t>Ableiten von existierenden Skins</a:t>
+            </a:r>
+          </a:p>
+          <a:p>
+            <a:pPr lvl="2"/>
+            <a:r>
+              <a:rPr lang="de-DE" dirty="0"/>
+              <a:t>Ableiten von </a:t>
+            </a:r>
+            <a:r>
+              <a:rPr lang="de-DE" dirty="0" err="1"/>
+              <a:t>SkinBase</a:t>
+            </a:r>
+            <a:endParaRPr lang="de-DE" dirty="0"/>
+          </a:p>
+          <a:p>
+            <a:pPr lvl="2"/>
+            <a:r>
+              <a:rPr lang="de-DE" dirty="0"/>
+              <a:t>Layout-Aggregation und – Berechnung</a:t>
+            </a:r>
+          </a:p>
+          <a:p>
+            <a:pPr lvl="2"/>
+            <a:r>
+              <a:rPr lang="de-DE" dirty="0"/>
+              <a:t>Austausch des Skins zur Laufzeit</a:t>
+            </a:r>
+          </a:p>
+          <a:p>
+            <a:pPr lvl="1"/>
+            <a:r>
+              <a:rPr lang="de-DE" dirty="0" err="1"/>
+              <a:t>Implementing</a:t>
+            </a:r>
+            <a:r>
+              <a:rPr lang="de-DE" dirty="0"/>
+              <a:t> Custom Controls</a:t>
+            </a:r>
+          </a:p>
+          <a:p>
+            <a:pPr lvl="2"/>
+            <a:r>
+              <a:rPr lang="de-DE" dirty="0"/>
+              <a:t>Custom Properties</a:t>
+            </a:r>
+          </a:p>
+          <a:p>
+            <a:pPr lvl="2"/>
+            <a:r>
+              <a:rPr lang="en-US" dirty="0"/>
+              <a:t>Custom </a:t>
+            </a:r>
+            <a:r>
+              <a:rPr lang="en-US" dirty="0" err="1"/>
+              <a:t>Stylable</a:t>
+            </a:r>
+            <a:r>
+              <a:rPr lang="en-US" dirty="0"/>
+              <a:t> Properties (</a:t>
+            </a:r>
+            <a:r>
+              <a:rPr lang="en-US" dirty="0" err="1"/>
+              <a:t>JavafX</a:t>
+            </a:r>
+            <a:r>
+              <a:rPr lang="en-US" dirty="0"/>
+              <a:t> 8 CSS API)</a:t>
+            </a:r>
+            <a:endParaRPr lang="de-DE" dirty="0"/>
+          </a:p>
+          <a:p>
+            <a:pPr lvl="2"/>
+            <a:r>
+              <a:rPr lang="de-DE" dirty="0">
+                <a:solidFill>
+                  <a:srgbClr val="FF0000"/>
+                </a:solidFill>
+              </a:rPr>
+              <a:t>(</a:t>
+            </a:r>
+            <a:r>
+              <a:rPr lang="de-DE" b="1" dirty="0">
+                <a:solidFill>
+                  <a:srgbClr val="FF0000"/>
+                </a:solidFill>
+              </a:rPr>
+              <a:t>TODO:</a:t>
+            </a:r>
+            <a:r>
+              <a:rPr lang="de-DE" dirty="0">
+                <a:solidFill>
+                  <a:srgbClr val="FF0000"/>
+                </a:solidFill>
+              </a:rPr>
+              <a:t> </a:t>
+            </a:r>
+            <a:r>
+              <a:rPr lang="de-DE" dirty="0" err="1">
+                <a:solidFill>
+                  <a:srgbClr val="FF0000"/>
+                </a:solidFill>
+              </a:rPr>
+              <a:t>Reusable</a:t>
+            </a:r>
+            <a:r>
+              <a:rPr lang="de-DE" dirty="0">
+                <a:solidFill>
+                  <a:srgbClr val="FF0000"/>
+                </a:solidFill>
+              </a:rPr>
+              <a:t> Dialogs)</a:t>
+            </a:r>
+          </a:p>
+          <a:p>
+            <a:pPr lvl="1"/>
+            <a:r>
+              <a:rPr lang="de-DE" b="1" dirty="0">
+                <a:solidFill>
+                  <a:srgbClr val="FF0000"/>
+                </a:solidFill>
+              </a:rPr>
+              <a:t>TODO:</a:t>
+            </a:r>
+            <a:r>
+              <a:rPr lang="de-DE" dirty="0">
+                <a:solidFill>
+                  <a:srgbClr val="FF0000"/>
+                </a:solidFill>
+              </a:rPr>
+              <a:t> </a:t>
+            </a:r>
+            <a:r>
+              <a:rPr lang="de-DE" dirty="0" err="1">
+                <a:solidFill>
+                  <a:srgbClr val="FF0000"/>
+                </a:solidFill>
+              </a:rPr>
+              <a:t>Implementing</a:t>
+            </a:r>
+            <a:r>
+              <a:rPr lang="de-DE" dirty="0">
+                <a:solidFill>
+                  <a:srgbClr val="FF0000"/>
+                </a:solidFill>
+              </a:rPr>
+              <a:t> </a:t>
+            </a:r>
+            <a:r>
+              <a:rPr lang="de-DE" dirty="0" err="1">
+                <a:solidFill>
+                  <a:srgbClr val="FF0000"/>
+                </a:solidFill>
+              </a:rPr>
+              <a:t>Behavior</a:t>
+            </a:r>
+            <a:endParaRPr lang="de-DE" dirty="0">
+              <a:solidFill>
+                <a:srgbClr val="FF0000"/>
+              </a:solidFill>
+            </a:endParaRPr>
+          </a:p>
+          <a:p>
+            <a:pPr lvl="1"/>
+            <a:r>
+              <a:rPr lang="en-US" dirty="0"/>
+              <a:t>Advanced: </a:t>
+            </a:r>
+            <a:r>
+              <a:rPr lang="en-US" dirty="0" err="1"/>
+              <a:t>Testen</a:t>
+            </a:r>
+            <a:r>
+              <a:rPr lang="en-US" dirty="0"/>
+              <a:t> für UI Controls mit </a:t>
+            </a:r>
+            <a:r>
+              <a:rPr lang="en-US" dirty="0" err="1" smtClean="0"/>
+              <a:t>TestFX</a:t>
+            </a:r>
+            <a:endParaRPr lang="de-DE" dirty="0"/>
+          </a:p>
+          <a:p>
+            <a:pPr lvl="2"/>
             <a:r>
               <a:rPr lang="de-DE" dirty="0" smtClean="0">
                 <a:solidFill>
                   <a:srgbClr val="FF0000"/>
                 </a:solidFill>
               </a:rPr>
-              <a:t>Einführung</a:t>
-            </a:r>
-            <a:endParaRPr lang="de-DE" dirty="0" smtClean="0">
+              <a:t>Ist </a:t>
+            </a:r>
+            <a:r>
+              <a:rPr lang="de-DE" dirty="0">
+                <a:solidFill>
+                  <a:srgbClr val="FF0000"/>
+                </a:solidFill>
+              </a:rPr>
+              <a:t>da eure </a:t>
+            </a:r>
+            <a:r>
+              <a:rPr lang="de-DE" dirty="0" smtClean="0">
+                <a:solidFill>
+                  <a:srgbClr val="FF0000"/>
+                </a:solidFill>
+              </a:rPr>
+              <a:t>Präsentation </a:t>
+            </a:r>
+            <a:r>
+              <a:rPr lang="de-DE" dirty="0">
+                <a:solidFill>
+                  <a:srgbClr val="FF0000"/>
+                </a:solidFill>
+              </a:rPr>
+              <a:t>geeignet?</a:t>
+            </a:r>
+            <a:endParaRPr lang="de-DE" dirty="0">
               <a:solidFill>
                 <a:srgbClr val="FF0000"/>
               </a:solidFill>
             </a:endParaRPr>
-          </a:p>
-          <a:p>
-            <a:r>
-              <a:rPr lang="de-DE" dirty="0" smtClean="0"/>
-              <a:t>Styling mit CSS + Pseudo-Klassen</a:t>
-            </a:r>
-          </a:p>
-          <a:p>
-            <a:r>
-              <a:rPr lang="de-DE" dirty="0" smtClean="0"/>
-              <a:t>Skins und Austauschbarkeit</a:t>
-            </a:r>
-          </a:p>
-          <a:p>
-            <a:r>
-              <a:rPr lang="de-DE" dirty="0" smtClean="0"/>
-              <a:t>Entwicklung eigener Skins zu bestehenden Controls</a:t>
-            </a:r>
-          </a:p>
-          <a:p>
-            <a:r>
-              <a:rPr lang="de-DE" dirty="0" smtClean="0"/>
-              <a:t>Neuentwicklung von Controls</a:t>
-            </a:r>
-          </a:p>
-          <a:p>
-            <a:r>
-              <a:rPr lang="de-DE" dirty="0" smtClean="0"/>
-              <a:t>Testen von Controls</a:t>
-            </a:r>
-            <a:endParaRPr lang="de-DE" dirty="0"/>
           </a:p>
         </p:txBody>
       </p:sp>
@@ -3576,7 +3893,7 @@
           <a:p>
             <a:r>
               <a:rPr lang="de-DE" dirty="0" smtClean="0"/>
-              <a:t>Einführung</a:t>
+              <a:t>Gliederung</a:t>
             </a:r>
             <a:endParaRPr lang="de-DE" dirty="0"/>
           </a:p>
@@ -3599,12 +3916,130 @@
           </a:bodyPr>
           <a:lstStyle/>
           <a:p>
+            <a:r>
+              <a:rPr lang="de-DE" dirty="0" smtClean="0">
+                <a:solidFill>
+                  <a:srgbClr val="FF0000"/>
+                </a:solidFill>
+              </a:rPr>
+              <a:t>Einführung</a:t>
+            </a:r>
+          </a:p>
+          <a:p>
+            <a:r>
+              <a:rPr lang="de-DE" dirty="0" smtClean="0"/>
+              <a:t>Styling mit CSS + Pseudo-Klassen</a:t>
+            </a:r>
+          </a:p>
+          <a:p>
+            <a:r>
+              <a:rPr lang="de-DE" dirty="0" smtClean="0"/>
+              <a:t>Skins und Austauschbarkeit</a:t>
+            </a:r>
+          </a:p>
+          <a:p>
+            <a:r>
+              <a:rPr lang="de-DE" dirty="0" smtClean="0"/>
+              <a:t>Entwicklung eigener Skins zu bestehenden Controls</a:t>
+            </a:r>
+          </a:p>
+          <a:p>
+            <a:r>
+              <a:rPr lang="de-DE" dirty="0" smtClean="0"/>
+              <a:t>Neuentwicklung von Controls</a:t>
+            </a:r>
+          </a:p>
+          <a:p>
+            <a:r>
+              <a:rPr lang="de-DE" dirty="0" smtClean="0"/>
+              <a:t>Testen von Controls</a:t>
+            </a:r>
+            <a:endParaRPr lang="de-DE" dirty="0"/>
+          </a:p>
+        </p:txBody>
+      </p:sp>
+    </p:spTree>
+    <p:extLst>
+      <p:ext uri="{BB962C8B-B14F-4D97-AF65-F5344CB8AC3E}">
+        <p14:creationId xmlns:p14="http://schemas.microsoft.com/office/powerpoint/2010/main" val="3792377515"/>
+      </p:ext>
+    </p:extLst>
+  </p:cSld>
+  <p:clrMapOvr>
+    <a:masterClrMapping/>
+  </p:clrMapOvr>
+  <p:timing>
+    <p:tnLst>
+      <p:par>
+        <p:cTn id="1" dur="indefinite" restart="never" nodeType="tmRoot"/>
+      </p:par>
+    </p:tnLst>
+  </p:timing>
+</p:sld>
+</file>
+
+<file path=ppt/slides/slide4.xml><?xml version="1.0" encoding="utf-8"?>
+<p:sld xmlns:a="http://schemas.openxmlformats.org/drawingml/2006/main" xmlns:r="http://schemas.openxmlformats.org/officeDocument/2006/relationships" xmlns:p="http://schemas.openxmlformats.org/presentationml/2006/main">
+  <p:cSld>
+    <p:spTree>
+      <p:nvGrpSpPr>
+        <p:cNvPr id="1" name=""/>
+        <p:cNvGrpSpPr/>
+        <p:nvPr/>
+      </p:nvGrpSpPr>
+      <p:grpSpPr>
+        <a:xfrm>
+          <a:off x="0" y="0"/>
+          <a:ext cx="0" cy="0"/>
+          <a:chOff x="0" y="0"/>
+          <a:chExt cx="0" cy="0"/>
+        </a:xfrm>
+      </p:grpSpPr>
+      <p:sp>
+        <p:nvSpPr>
+          <p:cNvPr id="2" name="Titel 1"/>
+          <p:cNvSpPr>
+            <a:spLocks noGrp="1"/>
+          </p:cNvSpPr>
+          <p:nvPr>
+            <p:ph type="title"/>
+          </p:nvPr>
+        </p:nvSpPr>
+        <p:spPr/>
+        <p:txBody>
+          <a:bodyPr/>
+          <a:lstStyle/>
+          <a:p>
+            <a:r>
+              <a:rPr lang="de-DE" dirty="0" smtClean="0"/>
+              <a:t>Einführung</a:t>
+            </a:r>
+            <a:endParaRPr lang="de-DE" dirty="0"/>
+          </a:p>
+        </p:txBody>
+      </p:sp>
+      <p:sp>
+        <p:nvSpPr>
+          <p:cNvPr id="3" name="Inhaltsplatzhalter 2"/>
+          <p:cNvSpPr>
+            <a:spLocks noGrp="1"/>
+          </p:cNvSpPr>
+          <p:nvPr>
+            <p:ph idx="1"/>
+          </p:nvPr>
+        </p:nvSpPr>
+        <p:spPr/>
+        <p:txBody>
+          <a:bodyPr>
+            <a:normAutofit/>
+          </a:bodyPr>
+          <a:lstStyle/>
+          <a:p>
             <a:pPr marL="342900" lvl="1" indent="-342900"/>
             <a:r>
               <a:rPr lang="de-DE" dirty="0" smtClean="0"/>
               <a:t>…</a:t>
             </a:r>
-            <a:endParaRPr lang="de-DE" dirty="0" smtClean="0"/>
           </a:p>
         </p:txBody>
       </p:sp>
@@ -3628,7 +4063,7 @@
 </p:sld>
 </file>
 
-<file path=ppt/slides/slide4.xml><?xml version="1.0" encoding="utf-8"?>
+<file path=ppt/slides/slide5.xml><?xml version="1.0" encoding="utf-8"?>
 <p:sld xmlns:a="http://schemas.openxmlformats.org/drawingml/2006/main" xmlns:r="http://schemas.openxmlformats.org/officeDocument/2006/relationships" xmlns:p="http://schemas.openxmlformats.org/presentationml/2006/main">
   <p:cSld>
     <p:spTree>
@@ -3949,7 +4384,7 @@
   <a:extraClrSchemeLst/>
   <a:extLst>
     <a:ext uri="{05A4C25C-085E-4340-85A3-A5531E510DB2}">
-      <thm15:themeFamily xmlns="" xmlns:thm15="http://schemas.microsoft.com/office/thememl/2012/main" name="Office Theme" id="{62F939B6-93AF-4DB8-9C6B-D6C7DFDC589F}" vid="{4A3C46E8-61CC-4603-A589-7422A47A8E4A}"/>
+      <thm15:themeFamily xmlns:thm15="http://schemas.microsoft.com/office/thememl/2012/main" xmlns="" name="Office Theme" id="{62F939B6-93AF-4DB8-9C6B-D6C7DFDC589F}" vid="{4A3C46E8-61CC-4603-A589-7422A47A8E4A}"/>
     </a:ext>
   </a:extLst>
 </a:theme>
@@ -4210,7 +4645,7 @@
   <a:extraClrSchemeLst/>
   <a:extLst>
     <a:ext uri="{05A4C25C-085E-4340-85A3-A5531E510DB2}">
-      <thm15:themeFamily xmlns="" xmlns:thm15="http://schemas.microsoft.com/office/thememl/2012/main" name="Office Theme" id="{62F939B6-93AF-4DB8-9C6B-D6C7DFDC589F}" vid="{4A3C46E8-61CC-4603-A589-7422A47A8E4A}"/>
+      <thm15:themeFamily xmlns:thm15="http://schemas.microsoft.com/office/thememl/2012/main" xmlns="" name="Office Theme" id="{62F939B6-93AF-4DB8-9C6B-D6C7DFDC589F}" vid="{4A3C46E8-61CC-4603-A589-7422A47A8E4A}"/>
     </a:ext>
   </a:extLst>
 </a:theme>

--- a/src/site/pres/CustomControls.pptx
+++ b/src/site/pres/CustomControls.pptx
@@ -5,14 +5,17 @@
     <p:sldMasterId id="2147483648" r:id="rId1"/>
   </p:sldMasterIdLst>
   <p:notesMasterIdLst>
-    <p:notesMasterId r:id="rId7"/>
+    <p:notesMasterId r:id="rId10"/>
   </p:notesMasterIdLst>
   <p:sldIdLst>
     <p:sldId id="256" r:id="rId2"/>
     <p:sldId id="258" r:id="rId3"/>
     <p:sldId id="297" r:id="rId4"/>
     <p:sldId id="296" r:id="rId5"/>
-    <p:sldId id="288" r:id="rId6"/>
+    <p:sldId id="299" r:id="rId6"/>
+    <p:sldId id="300" r:id="rId7"/>
+    <p:sldId id="298" r:id="rId8"/>
+    <p:sldId id="288" r:id="rId9"/>
   </p:sldIdLst>
   <p:sldSz cx="12192000" cy="6858000"/>
   <p:notesSz cx="6858000" cy="9144000"/>
@@ -113,7 +116,7 @@
   </p:defaultTextStyle>
   <p:extLst>
     <p:ext uri="{EFAFB233-063F-42B5-8137-9DF3F51BA10A}">
-      <p15:sldGuideLst xmlns:p15="http://schemas.microsoft.com/office/powerpoint/2012/main" xmlns=""/>
+      <p15:sldGuideLst xmlns="" xmlns:p15="http://schemas.microsoft.com/office/powerpoint/2012/main"/>
     </p:ext>
   </p:extLst>
 </p:presentation>
@@ -201,7 +204,7 @@
           <a:p>
             <a:fld id="{C5CED50F-C1C8-4ABB-AC47-02798DB26A17}" type="datetimeFigureOut">
               <a:rPr lang="de-DE" smtClean="0"/>
-              <a:t>04.03.2014</a:t>
+              <a:t>10.03.2014</a:t>
             </a:fld>
             <a:endParaRPr lang="de-DE"/>
           </a:p>
@@ -600,7 +603,7 @@
           <a:p>
             <a:fld id="{27242099-AA36-462C-901D-C15C99130564}" type="datetimeFigureOut">
               <a:rPr lang="de-DE" smtClean="0"/>
-              <a:t>04.03.2014</a:t>
+              <a:t>10.03.2014</a:t>
             </a:fld>
             <a:endParaRPr lang="de-DE"/>
           </a:p>
@@ -770,7 +773,7 @@
           <a:p>
             <a:fld id="{27242099-AA36-462C-901D-C15C99130564}" type="datetimeFigureOut">
               <a:rPr lang="de-DE" smtClean="0"/>
-              <a:t>04.03.2014</a:t>
+              <a:t>10.03.2014</a:t>
             </a:fld>
             <a:endParaRPr lang="de-DE"/>
           </a:p>
@@ -950,7 +953,7 @@
           <a:p>
             <a:fld id="{27242099-AA36-462C-901D-C15C99130564}" type="datetimeFigureOut">
               <a:rPr lang="de-DE" smtClean="0"/>
-              <a:t>04.03.2014</a:t>
+              <a:t>10.03.2014</a:t>
             </a:fld>
             <a:endParaRPr lang="de-DE"/>
           </a:p>
@@ -1120,7 +1123,7 @@
           <a:p>
             <a:fld id="{27242099-AA36-462C-901D-C15C99130564}" type="datetimeFigureOut">
               <a:rPr lang="de-DE" smtClean="0"/>
-              <a:t>04.03.2014</a:t>
+              <a:t>10.03.2014</a:t>
             </a:fld>
             <a:endParaRPr lang="de-DE"/>
           </a:p>
@@ -1366,7 +1369,7 @@
           <a:p>
             <a:fld id="{27242099-AA36-462C-901D-C15C99130564}" type="datetimeFigureOut">
               <a:rPr lang="de-DE" smtClean="0"/>
-              <a:t>04.03.2014</a:t>
+              <a:t>10.03.2014</a:t>
             </a:fld>
             <a:endParaRPr lang="de-DE"/>
           </a:p>
@@ -1598,7 +1601,7 @@
           <a:p>
             <a:fld id="{27242099-AA36-462C-901D-C15C99130564}" type="datetimeFigureOut">
               <a:rPr lang="de-DE" smtClean="0"/>
-              <a:t>04.03.2014</a:t>
+              <a:t>10.03.2014</a:t>
             </a:fld>
             <a:endParaRPr lang="de-DE"/>
           </a:p>
@@ -1965,7 +1968,7 @@
           <a:p>
             <a:fld id="{27242099-AA36-462C-901D-C15C99130564}" type="datetimeFigureOut">
               <a:rPr lang="de-DE" smtClean="0"/>
-              <a:t>04.03.2014</a:t>
+              <a:t>10.03.2014</a:t>
             </a:fld>
             <a:endParaRPr lang="de-DE"/>
           </a:p>
@@ -2083,7 +2086,7 @@
           <a:p>
             <a:fld id="{27242099-AA36-462C-901D-C15C99130564}" type="datetimeFigureOut">
               <a:rPr lang="de-DE" smtClean="0"/>
-              <a:t>04.03.2014</a:t>
+              <a:t>10.03.2014</a:t>
             </a:fld>
             <a:endParaRPr lang="de-DE"/>
           </a:p>
@@ -2178,7 +2181,7 @@
           <a:p>
             <a:fld id="{27242099-AA36-462C-901D-C15C99130564}" type="datetimeFigureOut">
               <a:rPr lang="de-DE" smtClean="0"/>
-              <a:t>04.03.2014</a:t>
+              <a:t>10.03.2014</a:t>
             </a:fld>
             <a:endParaRPr lang="de-DE"/>
           </a:p>
@@ -2455,7 +2458,7 @@
           <a:p>
             <a:fld id="{27242099-AA36-462C-901D-C15C99130564}" type="datetimeFigureOut">
               <a:rPr lang="de-DE" smtClean="0"/>
-              <a:t>04.03.2014</a:t>
+              <a:t>10.03.2014</a:t>
             </a:fld>
             <a:endParaRPr lang="de-DE"/>
           </a:p>
@@ -2708,7 +2711,7 @@
           <a:p>
             <a:fld id="{27242099-AA36-462C-901D-C15C99130564}" type="datetimeFigureOut">
               <a:rPr lang="de-DE" smtClean="0"/>
-              <a:t>04.03.2014</a:t>
+              <a:t>10.03.2014</a:t>
             </a:fld>
             <a:endParaRPr lang="de-DE"/>
           </a:p>
@@ -2921,7 +2924,7 @@
           <a:p>
             <a:fld id="{27242099-AA36-462C-901D-C15C99130564}" type="datetimeFigureOut">
               <a:rPr lang="de-DE" smtClean="0"/>
-              <a:t>04.03.2014</a:t>
+              <a:t>10.03.2014</a:t>
             </a:fld>
             <a:endParaRPr lang="de-DE"/>
           </a:p>
@@ -3472,7 +3475,7 @@
         <p:spPr/>
         <p:txBody>
           <a:bodyPr>
-            <a:normAutofit fontScale="47500" lnSpcReduction="20000"/>
+            <a:normAutofit fontScale="32500" lnSpcReduction="20000"/>
           </a:bodyPr>
           <a:lstStyle/>
           <a:p>
@@ -3501,6 +3504,17 @@
             <a:pPr lvl="1"/>
             <a:r>
               <a:rPr lang="de-DE" dirty="0" err="1" smtClean="0"/>
+              <a:t>TappasFX</a:t>
+            </a:r>
+            <a:r>
+              <a:rPr lang="de-DE" dirty="0" smtClean="0"/>
+              <a:t>: IST</a:t>
+            </a:r>
+          </a:p>
+          <a:p>
+            <a:pPr lvl="1"/>
+            <a:r>
+              <a:rPr lang="de-DE" dirty="0" err="1" smtClean="0"/>
               <a:t>Use</a:t>
             </a:r>
             <a:r>
@@ -3533,7 +3547,18 @@
             <a:pPr lvl="0"/>
             <a:r>
               <a:rPr lang="en-US" dirty="0"/>
-              <a:t>Building Custom Controls</a:t>
+              <a:t>Building Custom </a:t>
+            </a:r>
+            <a:r>
+              <a:rPr lang="en-US" dirty="0" smtClean="0"/>
+              <a:t>Controls</a:t>
+            </a:r>
+          </a:p>
+          <a:p>
+            <a:pPr lvl="1"/>
+            <a:r>
+              <a:rPr lang="en-US" dirty="0"/>
+              <a:t>Expressing UI Variants</a:t>
             </a:r>
             <a:endParaRPr lang="de-DE" dirty="0"/>
           </a:p>
@@ -3575,8 +3600,35 @@
             <a:pPr lvl="1"/>
             <a:r>
               <a:rPr lang="de-DE" dirty="0"/>
-              <a:t>Lebenszyklus von UI-Controls</a:t>
-            </a:r>
+              <a:t>Lebenszyklus von </a:t>
+            </a:r>
+            <a:r>
+              <a:rPr lang="de-DE" dirty="0" smtClean="0"/>
+              <a:t>UI-Controls</a:t>
+            </a:r>
+          </a:p>
+          <a:p>
+            <a:pPr lvl="2"/>
+            <a:r>
+              <a:rPr lang="de-DE" dirty="0" smtClean="0"/>
+              <a:t>Layout Pass</a:t>
+            </a:r>
+          </a:p>
+          <a:p>
+            <a:pPr lvl="2"/>
+            <a:r>
+              <a:rPr lang="de-DE" dirty="0" smtClean="0">
+                <a:solidFill>
+                  <a:srgbClr val="FF0000"/>
+                </a:solidFill>
+              </a:rPr>
+              <a:t>CSS Pass</a:t>
+            </a:r>
+            <a:endParaRPr lang="de-DE" dirty="0">
+              <a:solidFill>
+                <a:srgbClr val="FF0000"/>
+              </a:solidFill>
+            </a:endParaRPr>
           </a:p>
           <a:p>
             <a:pPr lvl="1"/>
@@ -3831,11 +3883,6 @@
               </a:rPr>
               <a:t>geeignet?</a:t>
             </a:r>
-            <a:endParaRPr lang="de-DE" dirty="0">
-              <a:solidFill>
-                <a:srgbClr val="FF0000"/>
-              </a:solidFill>
-            </a:endParaRPr>
           </a:p>
         </p:txBody>
       </p:sp>
@@ -4012,7 +4059,7 @@
           <a:p>
             <a:r>
               <a:rPr lang="de-DE" dirty="0" smtClean="0"/>
-              <a:t>Einführung</a:t>
+              <a:t>Motivation</a:t>
             </a:r>
             <a:endParaRPr lang="de-DE" dirty="0"/>
           </a:p>
@@ -4037,9 +4084,25 @@
           <a:p>
             <a:pPr marL="342900" lvl="1" indent="-342900"/>
             <a:r>
-              <a:rPr lang="de-DE" dirty="0" smtClean="0"/>
-              <a:t>…</a:t>
-            </a:r>
+              <a:rPr lang="de-DE" dirty="0"/>
+              <a:t>Ausschließliches </a:t>
+            </a:r>
+            <a:r>
+              <a:rPr lang="de-DE" dirty="0" err="1" smtClean="0"/>
+              <a:t>Skinning</a:t>
+            </a:r>
+            <a:r>
+              <a:rPr lang="de-DE" dirty="0" smtClean="0"/>
+              <a:t> </a:t>
+            </a:r>
+            <a:r>
+              <a:rPr lang="de-DE" dirty="0"/>
+              <a:t>in CSS</a:t>
+            </a:r>
+          </a:p>
+          <a:p>
+            <a:pPr marL="342900" lvl="1" indent="-342900"/>
+            <a:endParaRPr lang="de-DE" dirty="0" smtClean="0"/>
           </a:p>
         </p:txBody>
       </p:sp>
@@ -4064,6 +4127,656 @@
 </file>
 
 <file path=ppt/slides/slide5.xml><?xml version="1.0" encoding="utf-8"?>
+<p:sld xmlns:a="http://schemas.openxmlformats.org/drawingml/2006/main" xmlns:r="http://schemas.openxmlformats.org/officeDocument/2006/relationships" xmlns:p="http://schemas.openxmlformats.org/presentationml/2006/main">
+  <p:cSld>
+    <p:spTree>
+      <p:nvGrpSpPr>
+        <p:cNvPr id="1" name=""/>
+        <p:cNvGrpSpPr/>
+        <p:nvPr/>
+      </p:nvGrpSpPr>
+      <p:grpSpPr>
+        <a:xfrm>
+          <a:off x="0" y="0"/>
+          <a:ext cx="0" cy="0"/>
+          <a:chOff x="0" y="0"/>
+          <a:chExt cx="0" cy="0"/>
+        </a:xfrm>
+      </p:grpSpPr>
+      <p:sp>
+        <p:nvSpPr>
+          <p:cNvPr id="2" name="Titel 1"/>
+          <p:cNvSpPr>
+            <a:spLocks noGrp="1"/>
+          </p:cNvSpPr>
+          <p:nvPr>
+            <p:ph type="title"/>
+          </p:nvPr>
+        </p:nvSpPr>
+        <p:spPr/>
+        <p:txBody>
+          <a:bodyPr/>
+          <a:lstStyle/>
+          <a:p>
+            <a:r>
+              <a:rPr lang="de-DE" dirty="0" smtClean="0"/>
+              <a:t>Building Custom Controls</a:t>
+            </a:r>
+            <a:endParaRPr lang="de-DE" dirty="0"/>
+          </a:p>
+        </p:txBody>
+      </p:sp>
+      <p:sp>
+        <p:nvSpPr>
+          <p:cNvPr id="3" name="Inhaltsplatzhalter 2"/>
+          <p:cNvSpPr>
+            <a:spLocks noGrp="1"/>
+          </p:cNvSpPr>
+          <p:nvPr>
+            <p:ph idx="1"/>
+          </p:nvPr>
+        </p:nvSpPr>
+        <p:spPr/>
+        <p:txBody>
+          <a:bodyPr>
+            <a:normAutofit/>
+          </a:bodyPr>
+          <a:lstStyle/>
+          <a:p>
+            <a:pPr marL="0" lvl="1" indent="0">
+              <a:buNone/>
+            </a:pPr>
+            <a:endParaRPr lang="de-DE" dirty="0"/>
+          </a:p>
+          <a:p>
+            <a:pPr marL="342900" lvl="1" indent="-342900"/>
+            <a:endParaRPr lang="de-DE" dirty="0" smtClean="0"/>
+          </a:p>
+        </p:txBody>
+      </p:sp>
+    </p:spTree>
+    <p:extLst>
+      <p:ext uri="{BB962C8B-B14F-4D97-AF65-F5344CB8AC3E}">
+        <p14:creationId xmlns:p14="http://schemas.microsoft.com/office/powerpoint/2010/main" val="1242204262"/>
+      </p:ext>
+    </p:extLst>
+  </p:cSld>
+  <p:clrMapOvr>
+    <a:masterClrMapping/>
+  </p:clrMapOvr>
+  <p:timing>
+    <p:tnLst>
+      <p:par>
+        <p:cTn id="1" dur="indefinite" restart="never" nodeType="tmRoot"/>
+      </p:par>
+    </p:tnLst>
+  </p:timing>
+</p:sld>
+</file>
+
+<file path=ppt/slides/slide6.xml><?xml version="1.0" encoding="utf-8"?>
+<p:sld xmlns:a="http://schemas.openxmlformats.org/drawingml/2006/main" xmlns:r="http://schemas.openxmlformats.org/officeDocument/2006/relationships" xmlns:p="http://schemas.openxmlformats.org/presentationml/2006/main">
+  <p:cSld>
+    <p:spTree>
+      <p:nvGrpSpPr>
+        <p:cNvPr id="1" name=""/>
+        <p:cNvGrpSpPr/>
+        <p:nvPr/>
+      </p:nvGrpSpPr>
+      <p:grpSpPr>
+        <a:xfrm>
+          <a:off x="0" y="0"/>
+          <a:ext cx="0" cy="0"/>
+          <a:chOff x="0" y="0"/>
+          <a:chExt cx="0" cy="0"/>
+        </a:xfrm>
+      </p:grpSpPr>
+      <p:sp>
+        <p:nvSpPr>
+          <p:cNvPr id="2" name="Titel 1"/>
+          <p:cNvSpPr>
+            <a:spLocks noGrp="1"/>
+          </p:cNvSpPr>
+          <p:nvPr>
+            <p:ph type="title"/>
+          </p:nvPr>
+        </p:nvSpPr>
+        <p:spPr/>
+        <p:txBody>
+          <a:bodyPr/>
+          <a:lstStyle/>
+          <a:p>
+            <a:r>
+              <a:rPr lang="de-DE" dirty="0" err="1" smtClean="0"/>
+              <a:t>Expressing</a:t>
+            </a:r>
+            <a:r>
+              <a:rPr lang="de-DE" dirty="0" smtClean="0"/>
+              <a:t> Skin </a:t>
+            </a:r>
+            <a:r>
+              <a:rPr lang="de-DE" dirty="0" err="1" smtClean="0"/>
+              <a:t>Variants</a:t>
+            </a:r>
+            <a:endParaRPr lang="de-DE" dirty="0"/>
+          </a:p>
+        </p:txBody>
+      </p:sp>
+      <p:sp>
+        <p:nvSpPr>
+          <p:cNvPr id="3" name="Inhaltsplatzhalter 2"/>
+          <p:cNvSpPr>
+            <a:spLocks noGrp="1"/>
+          </p:cNvSpPr>
+          <p:nvPr>
+            <p:ph idx="1"/>
+          </p:nvPr>
+        </p:nvSpPr>
+        <p:spPr/>
+        <p:txBody>
+          <a:bodyPr>
+            <a:normAutofit/>
+          </a:bodyPr>
+          <a:lstStyle/>
+          <a:p>
+            <a:pPr marL="342900" lvl="1" indent="-342900"/>
+            <a:r>
+              <a:rPr lang="de-DE" dirty="0" smtClean="0"/>
+              <a:t>Ziel: </a:t>
+            </a:r>
+            <a:r>
+              <a:rPr lang="de-DE" dirty="0"/>
+              <a:t>Austausch Skin zur Laufzeit</a:t>
+            </a:r>
+            <a:endParaRPr lang="de-DE" dirty="0" smtClean="0"/>
+          </a:p>
+          <a:p>
+            <a:pPr marL="342900" lvl="1" indent="-342900"/>
+            <a:r>
+              <a:rPr lang="de-DE" dirty="0" smtClean="0"/>
+              <a:t>Wege: Austausch ..</a:t>
+            </a:r>
+          </a:p>
+          <a:p>
+            <a:pPr marL="800100" lvl="2" indent="-342900"/>
+            <a:r>
+              <a:rPr lang="de-DE" dirty="0" smtClean="0"/>
+              <a:t>CSS</a:t>
+            </a:r>
+          </a:p>
+          <a:p>
+            <a:pPr marL="1257300" lvl="3" indent="-342900"/>
+            <a:r>
+              <a:rPr lang="de-DE" dirty="0" smtClean="0">
+                <a:solidFill>
+                  <a:srgbClr val="FF0000"/>
+                </a:solidFill>
+              </a:rPr>
+              <a:t>+ / -</a:t>
+            </a:r>
+          </a:p>
+          <a:p>
+            <a:pPr marL="800100" lvl="2" indent="-342900"/>
+            <a:r>
+              <a:rPr lang="de-DE" dirty="0" smtClean="0"/>
+              <a:t>FXML</a:t>
+            </a:r>
+          </a:p>
+          <a:p>
+            <a:pPr marL="1257300" lvl="3" indent="-342900"/>
+            <a:r>
+              <a:rPr lang="de-DE" dirty="0" smtClean="0">
+                <a:solidFill>
+                  <a:srgbClr val="FF0000"/>
+                </a:solidFill>
+              </a:rPr>
+              <a:t>Austausch: FXML, Controllers, (Dynamic) Roots</a:t>
+            </a:r>
+          </a:p>
+          <a:p>
+            <a:pPr marL="1257300" lvl="3" indent="-342900"/>
+            <a:r>
+              <a:rPr lang="de-DE" dirty="0" smtClean="0">
+                <a:solidFill>
+                  <a:srgbClr val="FF0000"/>
+                </a:solidFill>
+              </a:rPr>
+              <a:t>+ </a:t>
+            </a:r>
+            <a:r>
+              <a:rPr lang="de-DE" dirty="0">
+                <a:solidFill>
+                  <a:srgbClr val="FF0000"/>
+                </a:solidFill>
+              </a:rPr>
+              <a:t>/ </a:t>
+            </a:r>
+            <a:r>
+              <a:rPr lang="de-DE" dirty="0" smtClean="0">
+                <a:solidFill>
+                  <a:srgbClr val="FF0000"/>
+                </a:solidFill>
+              </a:rPr>
+              <a:t>-</a:t>
+            </a:r>
+            <a:endParaRPr lang="de-DE" dirty="0" smtClean="0"/>
+          </a:p>
+          <a:p>
+            <a:pPr marL="800100" lvl="2" indent="-342900"/>
+            <a:r>
+              <a:rPr lang="de-DE" dirty="0" smtClean="0"/>
+              <a:t>Skin</a:t>
+            </a:r>
+          </a:p>
+          <a:p>
+            <a:pPr marL="1257300" lvl="3" indent="-342900"/>
+            <a:r>
+              <a:rPr lang="de-DE" dirty="0">
+                <a:solidFill>
+                  <a:srgbClr val="FF0000"/>
+                </a:solidFill>
+              </a:rPr>
+              <a:t>+ / -</a:t>
+            </a:r>
+            <a:endParaRPr lang="de-DE" dirty="0" smtClean="0">
+              <a:solidFill>
+                <a:srgbClr val="FF0000"/>
+              </a:solidFill>
+            </a:endParaRPr>
+          </a:p>
+          <a:p>
+            <a:pPr marL="800100" lvl="2" indent="-342900"/>
+            <a:r>
+              <a:rPr lang="de-DE" dirty="0" smtClean="0"/>
+              <a:t>Control </a:t>
+            </a:r>
+          </a:p>
+          <a:p>
+            <a:pPr marL="1257300" lvl="3" indent="-342900"/>
+            <a:r>
+              <a:rPr lang="de-DE" dirty="0">
+                <a:solidFill>
+                  <a:srgbClr val="FF0000"/>
+                </a:solidFill>
+              </a:rPr>
+              <a:t>+ / -</a:t>
+            </a:r>
+            <a:endParaRPr lang="de-DE" dirty="0" smtClean="0">
+              <a:solidFill>
+                <a:srgbClr val="FF0000"/>
+              </a:solidFill>
+            </a:endParaRPr>
+          </a:p>
+          <a:p>
+            <a:pPr marL="800100" lvl="2" indent="-342900"/>
+            <a:r>
+              <a:rPr lang="de-DE" dirty="0">
+                <a:solidFill>
+                  <a:srgbClr val="FF0000"/>
+                </a:solidFill>
+              </a:rPr>
+              <a:t>(</a:t>
+            </a:r>
+            <a:r>
+              <a:rPr lang="de-DE" dirty="0" err="1" smtClean="0">
+                <a:solidFill>
+                  <a:srgbClr val="FF0000"/>
+                </a:solidFill>
+              </a:rPr>
+              <a:t>Behavior</a:t>
+            </a:r>
+            <a:r>
+              <a:rPr lang="de-DE" dirty="0" smtClean="0">
+                <a:solidFill>
+                  <a:srgbClr val="FF0000"/>
+                </a:solidFill>
+              </a:rPr>
+              <a:t>)</a:t>
+            </a:r>
+          </a:p>
+          <a:p>
+            <a:pPr marL="800100" lvl="2" indent="-342900"/>
+            <a:endParaRPr lang="de-DE" dirty="0"/>
+          </a:p>
+          <a:p>
+            <a:pPr marL="342900" lvl="1" indent="-342900"/>
+            <a:endParaRPr lang="de-DE" dirty="0"/>
+          </a:p>
+          <a:p>
+            <a:pPr marL="0" lvl="1" indent="0">
+              <a:buNone/>
+            </a:pPr>
+            <a:endParaRPr lang="de-DE" dirty="0"/>
+          </a:p>
+          <a:p>
+            <a:pPr marL="342900" lvl="1" indent="-342900"/>
+            <a:endParaRPr lang="de-DE" dirty="0" smtClean="0"/>
+          </a:p>
+        </p:txBody>
+      </p:sp>
+    </p:spTree>
+    <p:extLst>
+      <p:ext uri="{BB962C8B-B14F-4D97-AF65-F5344CB8AC3E}">
+        <p14:creationId xmlns:p14="http://schemas.microsoft.com/office/powerpoint/2010/main" val="2555178103"/>
+      </p:ext>
+    </p:extLst>
+  </p:cSld>
+  <p:clrMapOvr>
+    <a:masterClrMapping/>
+  </p:clrMapOvr>
+  <p:timing>
+    <p:tnLst>
+      <p:par>
+        <p:cTn id="1" dur="indefinite" restart="never" nodeType="tmRoot"/>
+      </p:par>
+    </p:tnLst>
+  </p:timing>
+</p:sld>
+</file>
+
+<file path=ppt/slides/slide7.xml><?xml version="1.0" encoding="utf-8"?>
+<p:sld xmlns:a="http://schemas.openxmlformats.org/drawingml/2006/main" xmlns:r="http://schemas.openxmlformats.org/officeDocument/2006/relationships" xmlns:p="http://schemas.openxmlformats.org/presentationml/2006/main">
+  <p:cSld>
+    <p:spTree>
+      <p:nvGrpSpPr>
+        <p:cNvPr id="1" name=""/>
+        <p:cNvGrpSpPr/>
+        <p:nvPr/>
+      </p:nvGrpSpPr>
+      <p:grpSpPr>
+        <a:xfrm>
+          <a:off x="0" y="0"/>
+          <a:ext cx="0" cy="0"/>
+          <a:chOff x="0" y="0"/>
+          <a:chExt cx="0" cy="0"/>
+        </a:xfrm>
+      </p:grpSpPr>
+      <p:sp>
+        <p:nvSpPr>
+          <p:cNvPr id="2" name="Titel 1"/>
+          <p:cNvSpPr>
+            <a:spLocks noGrp="1"/>
+          </p:cNvSpPr>
+          <p:nvPr>
+            <p:ph type="title"/>
+          </p:nvPr>
+        </p:nvSpPr>
+        <p:spPr/>
+        <p:txBody>
+          <a:bodyPr/>
+          <a:lstStyle/>
+          <a:p>
+            <a:r>
+              <a:rPr lang="de-DE" dirty="0" smtClean="0"/>
+              <a:t>Look </a:t>
+            </a:r>
+            <a:r>
+              <a:rPr lang="de-DE" dirty="0" err="1" smtClean="0"/>
+              <a:t>Ahead</a:t>
+            </a:r>
+            <a:endParaRPr lang="de-DE" dirty="0"/>
+          </a:p>
+        </p:txBody>
+      </p:sp>
+      <p:sp>
+        <p:nvSpPr>
+          <p:cNvPr id="3" name="Inhaltsplatzhalter 2"/>
+          <p:cNvSpPr>
+            <a:spLocks noGrp="1"/>
+          </p:cNvSpPr>
+          <p:nvPr>
+            <p:ph idx="1"/>
+          </p:nvPr>
+        </p:nvSpPr>
+        <p:spPr/>
+        <p:txBody>
+          <a:bodyPr>
+            <a:normAutofit fontScale="92500" lnSpcReduction="10000"/>
+          </a:bodyPr>
+          <a:lstStyle/>
+          <a:p>
+            <a:pPr marL="342900" lvl="1" indent="-342900"/>
+            <a:r>
+              <a:rPr lang="de-DE" dirty="0" smtClean="0"/>
+              <a:t>MVC: </a:t>
+            </a:r>
+            <a:r>
+              <a:rPr lang="de-DE" dirty="0" err="1" smtClean="0"/>
+              <a:t>JavaFX</a:t>
+            </a:r>
+            <a:r>
+              <a:rPr lang="de-DE" dirty="0" smtClean="0"/>
+              <a:t> 8 Custom Controls (incl. FXML), </a:t>
+            </a:r>
+            <a:r>
+              <a:rPr lang="de-DE" dirty="0" err="1" smtClean="0"/>
+              <a:t>TappasFX</a:t>
+            </a:r>
+            <a:endParaRPr lang="de-DE" dirty="0" smtClean="0"/>
+          </a:p>
+          <a:p>
+            <a:pPr marL="342900" lvl="1" indent="-342900"/>
+            <a:r>
+              <a:rPr lang="de-DE" dirty="0" smtClean="0"/>
+              <a:t>Custom Controls 4 </a:t>
+            </a:r>
+            <a:r>
+              <a:rPr lang="de-DE" dirty="0" err="1" smtClean="0"/>
+              <a:t>TappasFX</a:t>
+            </a:r>
+            <a:endParaRPr lang="de-DE" dirty="0" smtClean="0"/>
+          </a:p>
+          <a:p>
+            <a:pPr marL="800100" lvl="2" indent="-342900"/>
+            <a:r>
+              <a:rPr lang="de-DE" dirty="0" smtClean="0"/>
+              <a:t>Skin in Abhängigkeit der gewählten Sprache (</a:t>
+            </a:r>
+            <a:r>
+              <a:rPr lang="de-DE" dirty="0" err="1" smtClean="0"/>
+              <a:t>T</a:t>
+            </a:r>
+            <a:r>
+              <a:rPr lang="de-DE" dirty="0" err="1" smtClean="0"/>
+              <a:t>appasFX</a:t>
+            </a:r>
+            <a:r>
+              <a:rPr lang="de-DE" dirty="0"/>
+              <a:t>: </a:t>
+            </a:r>
+            <a:r>
+              <a:rPr lang="de-DE" dirty="0" err="1" smtClean="0"/>
+              <a:t>Application.localeExpression</a:t>
+            </a:r>
+            <a:r>
+              <a:rPr lang="de-DE" dirty="0" smtClean="0"/>
+              <a:t>()) </a:t>
+            </a:r>
+            <a:r>
+              <a:rPr lang="de-DE" dirty="0" smtClean="0"/>
+              <a:t>dynamisch setzen</a:t>
+            </a:r>
+          </a:p>
+          <a:p>
+            <a:pPr marL="800100" lvl="2" indent="-342900"/>
+            <a:r>
+              <a:rPr lang="de-DE" dirty="0" smtClean="0"/>
+              <a:t>Alle </a:t>
+            </a:r>
+            <a:r>
+              <a:rPr lang="de-DE" dirty="0" err="1" smtClean="0"/>
+              <a:t>Labeled</a:t>
+            </a:r>
+            <a:r>
+              <a:rPr lang="de-DE" dirty="0" smtClean="0"/>
+              <a:t> Controls: </a:t>
+            </a:r>
+          </a:p>
+          <a:p>
+            <a:pPr marL="1257300" lvl="3" indent="-342900"/>
+            <a:r>
+              <a:rPr lang="de-DE" dirty="0" smtClean="0"/>
+              <a:t>Zeilenumbruch</a:t>
+            </a:r>
+          </a:p>
+          <a:p>
+            <a:pPr marL="1257300" lvl="3" indent="-342900"/>
+            <a:r>
+              <a:rPr lang="de-DE" dirty="0" smtClean="0"/>
+              <a:t>Keine Abschneidungen</a:t>
+            </a:r>
+            <a:endParaRPr lang="de-DE" dirty="0" smtClean="0"/>
+          </a:p>
+          <a:p>
+            <a:pPr marL="800100" lvl="2" indent="-342900"/>
+            <a:r>
+              <a:rPr lang="de-DE" dirty="0" smtClean="0"/>
+              <a:t>Austausch des Skins zur Laufzeit</a:t>
+            </a:r>
+          </a:p>
+          <a:p>
+            <a:pPr marL="1257300" lvl="3" indent="-342900"/>
+            <a:r>
+              <a:rPr lang="de-DE" dirty="0" smtClean="0"/>
+              <a:t>Separate </a:t>
+            </a:r>
+            <a:r>
+              <a:rPr lang="de-DE" dirty="0" err="1" smtClean="0"/>
+              <a:t>OSGi</a:t>
+            </a:r>
+            <a:r>
+              <a:rPr lang="de-DE" dirty="0" smtClean="0"/>
+              <a:t> Bundles oder gar </a:t>
+            </a:r>
+            <a:r>
+              <a:rPr lang="de-DE" dirty="0" err="1" smtClean="0"/>
+              <a:t>OSGi</a:t>
+            </a:r>
+            <a:r>
+              <a:rPr lang="de-DE" dirty="0" smtClean="0"/>
+              <a:t> Fragmente?</a:t>
+            </a:r>
+          </a:p>
+          <a:p>
+            <a:pPr marL="342900" lvl="1" indent="-342900"/>
+            <a:r>
+              <a:rPr lang="de-DE" dirty="0" smtClean="0"/>
+              <a:t>Bind </a:t>
+            </a:r>
+            <a:r>
+              <a:rPr lang="de-DE" dirty="0" err="1" smtClean="0"/>
+              <a:t>JavaFX</a:t>
+            </a:r>
+            <a:r>
+              <a:rPr lang="de-DE" dirty="0" smtClean="0"/>
+              <a:t> Properties </a:t>
+            </a:r>
+            <a:r>
+              <a:rPr lang="de-DE" dirty="0" err="1" smtClean="0"/>
+              <a:t>using</a:t>
+            </a:r>
+            <a:r>
+              <a:rPr lang="de-DE" dirty="0" smtClean="0"/>
+              <a:t> </a:t>
+            </a:r>
+            <a:r>
+              <a:rPr lang="de-DE" dirty="0" err="1" smtClean="0"/>
+              <a:t>Lambas</a:t>
+            </a:r>
+            <a:endParaRPr lang="de-DE" dirty="0" smtClean="0"/>
+          </a:p>
+          <a:p>
+            <a:pPr marL="342900" lvl="1" indent="-342900"/>
+            <a:r>
+              <a:rPr lang="de-DE" dirty="0" smtClean="0"/>
+              <a:t>Definition </a:t>
+            </a:r>
+            <a:r>
+              <a:rPr lang="de-DE" dirty="0" err="1" smtClean="0"/>
+              <a:t>of</a:t>
+            </a:r>
+            <a:r>
+              <a:rPr lang="de-DE" dirty="0" smtClean="0"/>
+              <a:t> Custom Properties via FXML</a:t>
+            </a:r>
+            <a:endParaRPr lang="de-DE" dirty="0" smtClean="0"/>
+          </a:p>
+          <a:p>
+            <a:pPr marL="342900" lvl="1" indent="-342900"/>
+            <a:r>
+              <a:rPr lang="de-DE" dirty="0" smtClean="0"/>
+              <a:t>Tool: FXML-2-Code-Compile-Time-Generator</a:t>
+            </a:r>
+          </a:p>
+          <a:p>
+            <a:pPr marL="342900" lvl="1" indent="-342900"/>
+            <a:r>
+              <a:rPr lang="de-DE" dirty="0" err="1" smtClean="0"/>
+              <a:t>Tooling</a:t>
+            </a:r>
+            <a:r>
+              <a:rPr lang="de-DE" dirty="0" smtClean="0"/>
+              <a:t> (</a:t>
+            </a:r>
+            <a:r>
+              <a:rPr lang="de-DE" dirty="0" err="1" smtClean="0"/>
+              <a:t>SceneBuilder</a:t>
+            </a:r>
+            <a:r>
+              <a:rPr lang="de-DE" dirty="0" smtClean="0"/>
+              <a:t>, </a:t>
+            </a:r>
+            <a:r>
+              <a:rPr lang="de-DE" dirty="0" err="1" smtClean="0"/>
+              <a:t>Scenic</a:t>
+            </a:r>
+            <a:r>
+              <a:rPr lang="de-DE" dirty="0" smtClean="0"/>
+              <a:t> View, ..)</a:t>
+            </a:r>
+          </a:p>
+          <a:p>
+            <a:pPr marL="342900" lvl="1" indent="-342900"/>
+            <a:r>
+              <a:rPr lang="de-DE" dirty="0" smtClean="0"/>
+              <a:t>(3D in </a:t>
+            </a:r>
+            <a:r>
+              <a:rPr lang="de-DE" dirty="0" err="1" smtClean="0"/>
+              <a:t>JavaFX</a:t>
+            </a:r>
+            <a:r>
+              <a:rPr lang="de-DE" dirty="0" smtClean="0"/>
+              <a:t> 8)</a:t>
+            </a:r>
+          </a:p>
+          <a:p>
+            <a:pPr marL="800100" lvl="2" indent="-342900"/>
+            <a:endParaRPr lang="de-DE" dirty="0" smtClean="0"/>
+          </a:p>
+        </p:txBody>
+      </p:sp>
+    </p:spTree>
+    <p:extLst>
+      <p:ext uri="{BB962C8B-B14F-4D97-AF65-F5344CB8AC3E}">
+        <p14:creationId xmlns:p14="http://schemas.microsoft.com/office/powerpoint/2010/main" val="1885570193"/>
+      </p:ext>
+    </p:extLst>
+  </p:cSld>
+  <p:clrMapOvr>
+    <a:masterClrMapping/>
+  </p:clrMapOvr>
+  <p:timing>
+    <p:tnLst>
+      <p:par>
+        <p:cTn id="1" dur="indefinite" restart="never" nodeType="tmRoot"/>
+      </p:par>
+    </p:tnLst>
+  </p:timing>
+</p:sld>
+</file>
+
+<file path=ppt/slides/slide8.xml><?xml version="1.0" encoding="utf-8"?>
 <p:sld xmlns:a="http://schemas.openxmlformats.org/drawingml/2006/main" xmlns:r="http://schemas.openxmlformats.org/officeDocument/2006/relationships" xmlns:p="http://schemas.openxmlformats.org/presentationml/2006/main">
   <p:cSld>
     <p:spTree>
@@ -4384,7 +5097,7 @@
   <a:extraClrSchemeLst/>
   <a:extLst>
     <a:ext uri="{05A4C25C-085E-4340-85A3-A5531E510DB2}">
-      <thm15:themeFamily xmlns:thm15="http://schemas.microsoft.com/office/thememl/2012/main" xmlns="" name="Office Theme" id="{62F939B6-93AF-4DB8-9C6B-D6C7DFDC589F}" vid="{4A3C46E8-61CC-4603-A589-7422A47A8E4A}"/>
+      <thm15:themeFamily xmlns="" xmlns:thm15="http://schemas.microsoft.com/office/thememl/2012/main" name="Office Theme" id="{62F939B6-93AF-4DB8-9C6B-D6C7DFDC589F}" vid="{4A3C46E8-61CC-4603-A589-7422A47A8E4A}"/>
     </a:ext>
   </a:extLst>
 </a:theme>
@@ -4645,7 +5358,7 @@
   <a:extraClrSchemeLst/>
   <a:extLst>
     <a:ext uri="{05A4C25C-085E-4340-85A3-A5531E510DB2}">
-      <thm15:themeFamily xmlns:thm15="http://schemas.microsoft.com/office/thememl/2012/main" xmlns="" name="Office Theme" id="{62F939B6-93AF-4DB8-9C6B-D6C7DFDC589F}" vid="{4A3C46E8-61CC-4603-A589-7422A47A8E4A}"/>
+      <thm15:themeFamily xmlns="" xmlns:thm15="http://schemas.microsoft.com/office/thememl/2012/main" name="Office Theme" id="{62F939B6-93AF-4DB8-9C6B-D6C7DFDC589F}" vid="{4A3C46E8-61CC-4603-A589-7422A47A8E4A}"/>
     </a:ext>
   </a:extLst>
 </a:theme>

--- a/src/site/pres/CustomControls.pptx
+++ b/src/site/pres/CustomControls.pptx
@@ -116,7 +116,7 @@
   </p:defaultTextStyle>
   <p:extLst>
     <p:ext uri="{EFAFB233-063F-42B5-8137-9DF3F51BA10A}">
-      <p15:sldGuideLst xmlns="" xmlns:p15="http://schemas.microsoft.com/office/powerpoint/2012/main"/>
+      <p15:sldGuideLst xmlns:p15="http://schemas.microsoft.com/office/powerpoint/2012/main" xmlns=""/>
     </p:ext>
   </p:extLst>
 </p:presentation>
@@ -204,7 +204,7 @@
           <a:p>
             <a:fld id="{C5CED50F-C1C8-4ABB-AC47-02798DB26A17}" type="datetimeFigureOut">
               <a:rPr lang="de-DE" smtClean="0"/>
-              <a:t>10.03.2014</a:t>
+              <a:t>12.03.2014</a:t>
             </a:fld>
             <a:endParaRPr lang="de-DE"/>
           </a:p>
@@ -603,7 +603,7 @@
           <a:p>
             <a:fld id="{27242099-AA36-462C-901D-C15C99130564}" type="datetimeFigureOut">
               <a:rPr lang="de-DE" smtClean="0"/>
-              <a:t>10.03.2014</a:t>
+              <a:t>12.03.2014</a:t>
             </a:fld>
             <a:endParaRPr lang="de-DE"/>
           </a:p>
@@ -773,7 +773,7 @@
           <a:p>
             <a:fld id="{27242099-AA36-462C-901D-C15C99130564}" type="datetimeFigureOut">
               <a:rPr lang="de-DE" smtClean="0"/>
-              <a:t>10.03.2014</a:t>
+              <a:t>12.03.2014</a:t>
             </a:fld>
             <a:endParaRPr lang="de-DE"/>
           </a:p>
@@ -953,7 +953,7 @@
           <a:p>
             <a:fld id="{27242099-AA36-462C-901D-C15C99130564}" type="datetimeFigureOut">
               <a:rPr lang="de-DE" smtClean="0"/>
-              <a:t>10.03.2014</a:t>
+              <a:t>12.03.2014</a:t>
             </a:fld>
             <a:endParaRPr lang="de-DE"/>
           </a:p>
@@ -1123,7 +1123,7 @@
           <a:p>
             <a:fld id="{27242099-AA36-462C-901D-C15C99130564}" type="datetimeFigureOut">
               <a:rPr lang="de-DE" smtClean="0"/>
-              <a:t>10.03.2014</a:t>
+              <a:t>12.03.2014</a:t>
             </a:fld>
             <a:endParaRPr lang="de-DE"/>
           </a:p>
@@ -1369,7 +1369,7 @@
           <a:p>
             <a:fld id="{27242099-AA36-462C-901D-C15C99130564}" type="datetimeFigureOut">
               <a:rPr lang="de-DE" smtClean="0"/>
-              <a:t>10.03.2014</a:t>
+              <a:t>12.03.2014</a:t>
             </a:fld>
             <a:endParaRPr lang="de-DE"/>
           </a:p>
@@ -1601,7 +1601,7 @@
           <a:p>
             <a:fld id="{27242099-AA36-462C-901D-C15C99130564}" type="datetimeFigureOut">
               <a:rPr lang="de-DE" smtClean="0"/>
-              <a:t>10.03.2014</a:t>
+              <a:t>12.03.2014</a:t>
             </a:fld>
             <a:endParaRPr lang="de-DE"/>
           </a:p>
@@ -1968,7 +1968,7 @@
           <a:p>
             <a:fld id="{27242099-AA36-462C-901D-C15C99130564}" type="datetimeFigureOut">
               <a:rPr lang="de-DE" smtClean="0"/>
-              <a:t>10.03.2014</a:t>
+              <a:t>12.03.2014</a:t>
             </a:fld>
             <a:endParaRPr lang="de-DE"/>
           </a:p>
@@ -2086,7 +2086,7 @@
           <a:p>
             <a:fld id="{27242099-AA36-462C-901D-C15C99130564}" type="datetimeFigureOut">
               <a:rPr lang="de-DE" smtClean="0"/>
-              <a:t>10.03.2014</a:t>
+              <a:t>12.03.2014</a:t>
             </a:fld>
             <a:endParaRPr lang="de-DE"/>
           </a:p>
@@ -2181,7 +2181,7 @@
           <a:p>
             <a:fld id="{27242099-AA36-462C-901D-C15C99130564}" type="datetimeFigureOut">
               <a:rPr lang="de-DE" smtClean="0"/>
-              <a:t>10.03.2014</a:t>
+              <a:t>12.03.2014</a:t>
             </a:fld>
             <a:endParaRPr lang="de-DE"/>
           </a:p>
@@ -2458,7 +2458,7 @@
           <a:p>
             <a:fld id="{27242099-AA36-462C-901D-C15C99130564}" type="datetimeFigureOut">
               <a:rPr lang="de-DE" smtClean="0"/>
-              <a:t>10.03.2014</a:t>
+              <a:t>12.03.2014</a:t>
             </a:fld>
             <a:endParaRPr lang="de-DE"/>
           </a:p>
@@ -2711,7 +2711,7 @@
           <a:p>
             <a:fld id="{27242099-AA36-462C-901D-C15C99130564}" type="datetimeFigureOut">
               <a:rPr lang="de-DE" smtClean="0"/>
-              <a:t>10.03.2014</a:t>
+              <a:t>12.03.2014</a:t>
             </a:fld>
             <a:endParaRPr lang="de-DE"/>
           </a:p>
@@ -2924,7 +2924,7 @@
           <a:p>
             <a:fld id="{27242099-AA36-462C-901D-C15C99130564}" type="datetimeFigureOut">
               <a:rPr lang="de-DE" smtClean="0"/>
-              <a:t>10.03.2014</a:t>
+              <a:t>12.03.2014</a:t>
             </a:fld>
             <a:endParaRPr lang="de-DE"/>
           </a:p>
@@ -3565,13 +3565,18 @@
           <a:p>
             <a:pPr lvl="1"/>
             <a:r>
-              <a:rPr lang="de-DE" dirty="0">
+              <a:rPr lang="de-DE" dirty="0" smtClean="0">
                 <a:solidFill>
                   <a:srgbClr val="FF0000"/>
                 </a:solidFill>
               </a:rPr>
-              <a:t>(Überflüssig?: Existierende Bibliotheken)</a:t>
-            </a:r>
+              <a:t>Existierende Bibliotheken für Custom Controls</a:t>
+            </a:r>
+            <a:endParaRPr lang="de-DE" dirty="0">
+              <a:solidFill>
+                <a:srgbClr val="FF0000"/>
+              </a:solidFill>
+            </a:endParaRPr>
           </a:p>
           <a:p>
             <a:pPr lvl="1"/>
@@ -3592,15 +3597,11 @@
             <a:pPr lvl="1"/>
             <a:r>
               <a:rPr lang="de-DE" dirty="0" smtClean="0"/>
-              <a:t>Architektur von UI-Controls</a:t>
-            </a:r>
-            <a:endParaRPr lang="de-DE" dirty="0"/>
-          </a:p>
-          <a:p>
-            <a:pPr lvl="1"/>
+              <a:t>Lebenszyklus </a:t>
+            </a:r>
             <a:r>
               <a:rPr lang="de-DE" dirty="0"/>
-              <a:t>Lebenszyklus von </a:t>
+              <a:t>von </a:t>
             </a:r>
             <a:r>
               <a:rPr lang="de-DE" dirty="0" smtClean="0"/>
@@ -4531,7 +4532,7 @@
         <p:spPr/>
         <p:txBody>
           <a:bodyPr>
-            <a:normAutofit fontScale="92500" lnSpcReduction="10000"/>
+            <a:normAutofit fontScale="92500" lnSpcReduction="20000"/>
           </a:bodyPr>
           <a:lstStyle/>
           <a:p>
@@ -4574,11 +4575,7 @@
             </a:r>
             <a:r>
               <a:rPr lang="de-DE" dirty="0" err="1" smtClean="0"/>
-              <a:t>T</a:t>
-            </a:r>
-            <a:r>
-              <a:rPr lang="de-DE" dirty="0" err="1" smtClean="0"/>
-              <a:t>appasFX</a:t>
+              <a:t>TappasFX</a:t>
             </a:r>
             <a:r>
               <a:rPr lang="de-DE" dirty="0"/>
@@ -4590,11 +4587,7 @@
             </a:r>
             <a:r>
               <a:rPr lang="de-DE" dirty="0" smtClean="0"/>
-              <a:t>()) </a:t>
-            </a:r>
-            <a:r>
-              <a:rPr lang="de-DE" dirty="0" smtClean="0"/>
-              <a:t>dynamisch setzen</a:t>
+              <a:t>()) dynamisch setzen</a:t>
             </a:r>
           </a:p>
           <a:p>
@@ -4625,7 +4618,6 @@
               <a:rPr lang="de-DE" dirty="0" smtClean="0"/>
               <a:t>Keine Abschneidungen</a:t>
             </a:r>
-            <a:endParaRPr lang="de-DE" dirty="0" smtClean="0"/>
           </a:p>
           <a:p>
             <a:pPr marL="800100" lvl="2" indent="-342900"/>
@@ -4699,7 +4691,6 @@
               <a:rPr lang="de-DE" dirty="0" smtClean="0"/>
               <a:t> Custom Properties via FXML</a:t>
             </a:r>
-            <a:endParaRPr lang="de-DE" dirty="0" smtClean="0"/>
           </a:p>
           <a:p>
             <a:pPr marL="342900" lvl="1" indent="-342900"/>
@@ -4733,6 +4724,13 @@
             <a:r>
               <a:rPr lang="de-DE" dirty="0" smtClean="0"/>
               <a:t> View, ..)</a:t>
+            </a:r>
+          </a:p>
+          <a:p>
+            <a:pPr marL="342900" lvl="1" indent="-342900"/>
+            <a:r>
+              <a:rPr lang="de-DE" dirty="0" smtClean="0"/>
+              <a:t>(CSS &gt; Übersetzt in Binärformat?)</a:t>
             </a:r>
           </a:p>
           <a:p>
@@ -5097,7 +5095,7 @@
   <a:extraClrSchemeLst/>
   <a:extLst>
     <a:ext uri="{05A4C25C-085E-4340-85A3-A5531E510DB2}">
-      <thm15:themeFamily xmlns="" xmlns:thm15="http://schemas.microsoft.com/office/thememl/2012/main" name="Office Theme" id="{62F939B6-93AF-4DB8-9C6B-D6C7DFDC589F}" vid="{4A3C46E8-61CC-4603-A589-7422A47A8E4A}"/>
+      <thm15:themeFamily xmlns:thm15="http://schemas.microsoft.com/office/thememl/2012/main" xmlns="" name="Office Theme" id="{62F939B6-93AF-4DB8-9C6B-D6C7DFDC589F}" vid="{4A3C46E8-61CC-4603-A589-7422A47A8E4A}"/>
     </a:ext>
   </a:extLst>
 </a:theme>
@@ -5358,7 +5356,7 @@
   <a:extraClrSchemeLst/>
   <a:extLst>
     <a:ext uri="{05A4C25C-085E-4340-85A3-A5531E510DB2}">
-      <thm15:themeFamily xmlns="" xmlns:thm15="http://schemas.microsoft.com/office/thememl/2012/main" name="Office Theme" id="{62F939B6-93AF-4DB8-9C6B-D6C7DFDC589F}" vid="{4A3C46E8-61CC-4603-A589-7422A47A8E4A}"/>
+      <thm15:themeFamily xmlns:thm15="http://schemas.microsoft.com/office/thememl/2012/main" xmlns="" name="Office Theme" id="{62F939B6-93AF-4DB8-9C6B-D6C7DFDC589F}" vid="{4A3C46E8-61CC-4603-A589-7422A47A8E4A}"/>
     </a:ext>
   </a:extLst>
 </a:theme>
